--- a/lesson_2/Lesson2 - variables and conditions.pptx
+++ b/lesson_2/Lesson2 - variables and conditions.pptx
@@ -117,6 +117,11 @@
       </a:defRPr>
     </a:lvl9pPr>
   </p:defaultTextStyle>
+  <p:extLst>
+    <p:ext uri="{EFAFB233-063F-42B5-8137-9DF3F51BA10A}">
+      <p15:sldGuideLst xmlns:p15="http://schemas.microsoft.com/office/powerpoint/2012/main"/>
+    </p:ext>
+  </p:extLst>
 </p:presentation>
 </file>
 
@@ -7182,12 +7187,20 @@
               <a:t>, ברוב </a:t>
             </a:r>
             <a:r>
-              <a:rPr lang="he-IL" dirty="0" err="1" smtClean="0"/>
-              <a:t>השפותזה</a:t>
-            </a:r>
-            <a:r>
               <a:rPr lang="he-IL" dirty="0" smtClean="0"/>
-              <a:t> יהיה דומה</a:t>
+              <a:t>השפות</a:t>
+            </a:r>
+            <a:r>
+              <a:rPr lang="en-US" dirty="0" smtClean="0"/>
+              <a:t> </a:t>
+            </a:r>
+            <a:r>
+              <a:rPr lang="he-IL" dirty="0" smtClean="0"/>
+              <a:t>זה </a:t>
+            </a:r>
+            <a:r>
+              <a:rPr lang="he-IL" dirty="0" smtClean="0"/>
+              <a:t>יהיה דומה</a:t>
             </a:r>
           </a:p>
           <a:p>
